--- a/发射台电气简图.pptx
+++ b/发射台电气简图.pptx
@@ -259,7 +259,7 @@
           <a:p>
             <a:fld id="{EEE7A706-6E0B-4060-8ADF-A7209B5C1838}" type="datetimeFigureOut">
               <a:rPr lang="zh-CN" altLang="en-US" smtClean="0"/>
-              <a:t>2020/4/26</a:t>
+              <a:t>2020/5/1</a:t>
             </a:fld>
             <a:endParaRPr lang="zh-CN" altLang="en-US"/>
           </a:p>
@@ -457,7 +457,7 @@
           <a:p>
             <a:fld id="{EEE7A706-6E0B-4060-8ADF-A7209B5C1838}" type="datetimeFigureOut">
               <a:rPr lang="zh-CN" altLang="en-US" smtClean="0"/>
-              <a:t>2020/4/26</a:t>
+              <a:t>2020/5/1</a:t>
             </a:fld>
             <a:endParaRPr lang="zh-CN" altLang="en-US"/>
           </a:p>
@@ -665,7 +665,7 @@
           <a:p>
             <a:fld id="{EEE7A706-6E0B-4060-8ADF-A7209B5C1838}" type="datetimeFigureOut">
               <a:rPr lang="zh-CN" altLang="en-US" smtClean="0"/>
-              <a:t>2020/4/26</a:t>
+              <a:t>2020/5/1</a:t>
             </a:fld>
             <a:endParaRPr lang="zh-CN" altLang="en-US"/>
           </a:p>
@@ -863,7 +863,7 @@
           <a:p>
             <a:fld id="{EEE7A706-6E0B-4060-8ADF-A7209B5C1838}" type="datetimeFigureOut">
               <a:rPr lang="zh-CN" altLang="en-US" smtClean="0"/>
-              <a:t>2020/4/26</a:t>
+              <a:t>2020/5/1</a:t>
             </a:fld>
             <a:endParaRPr lang="zh-CN" altLang="en-US"/>
           </a:p>
@@ -1138,7 +1138,7 @@
           <a:p>
             <a:fld id="{EEE7A706-6E0B-4060-8ADF-A7209B5C1838}" type="datetimeFigureOut">
               <a:rPr lang="zh-CN" altLang="en-US" smtClean="0"/>
-              <a:t>2020/4/26</a:t>
+              <a:t>2020/5/1</a:t>
             </a:fld>
             <a:endParaRPr lang="zh-CN" altLang="en-US"/>
           </a:p>
@@ -1403,7 +1403,7 @@
           <a:p>
             <a:fld id="{EEE7A706-6E0B-4060-8ADF-A7209B5C1838}" type="datetimeFigureOut">
               <a:rPr lang="zh-CN" altLang="en-US" smtClean="0"/>
-              <a:t>2020/4/26</a:t>
+              <a:t>2020/5/1</a:t>
             </a:fld>
             <a:endParaRPr lang="zh-CN" altLang="en-US"/>
           </a:p>
@@ -1815,7 +1815,7 @@
           <a:p>
             <a:fld id="{EEE7A706-6E0B-4060-8ADF-A7209B5C1838}" type="datetimeFigureOut">
               <a:rPr lang="zh-CN" altLang="en-US" smtClean="0"/>
-              <a:t>2020/4/26</a:t>
+              <a:t>2020/5/1</a:t>
             </a:fld>
             <a:endParaRPr lang="zh-CN" altLang="en-US"/>
           </a:p>
@@ -1956,7 +1956,7 @@
           <a:p>
             <a:fld id="{EEE7A706-6E0B-4060-8ADF-A7209B5C1838}" type="datetimeFigureOut">
               <a:rPr lang="zh-CN" altLang="en-US" smtClean="0"/>
-              <a:t>2020/4/26</a:t>
+              <a:t>2020/5/1</a:t>
             </a:fld>
             <a:endParaRPr lang="zh-CN" altLang="en-US"/>
           </a:p>
@@ -2069,7 +2069,7 @@
           <a:p>
             <a:fld id="{EEE7A706-6E0B-4060-8ADF-A7209B5C1838}" type="datetimeFigureOut">
               <a:rPr lang="zh-CN" altLang="en-US" smtClean="0"/>
-              <a:t>2020/4/26</a:t>
+              <a:t>2020/5/1</a:t>
             </a:fld>
             <a:endParaRPr lang="zh-CN" altLang="en-US"/>
           </a:p>
@@ -2380,7 +2380,7 @@
           <a:p>
             <a:fld id="{EEE7A706-6E0B-4060-8ADF-A7209B5C1838}" type="datetimeFigureOut">
               <a:rPr lang="zh-CN" altLang="en-US" smtClean="0"/>
-              <a:t>2020/4/26</a:t>
+              <a:t>2020/5/1</a:t>
             </a:fld>
             <a:endParaRPr lang="zh-CN" altLang="en-US"/>
           </a:p>
@@ -2668,7 +2668,7 @@
           <a:p>
             <a:fld id="{EEE7A706-6E0B-4060-8ADF-A7209B5C1838}" type="datetimeFigureOut">
               <a:rPr lang="zh-CN" altLang="en-US" smtClean="0"/>
-              <a:t>2020/4/26</a:t>
+              <a:t>2020/5/1</a:t>
             </a:fld>
             <a:endParaRPr lang="zh-CN" altLang="en-US"/>
           </a:p>
@@ -2909,7 +2909,7 @@
           <a:p>
             <a:fld id="{EEE7A706-6E0B-4060-8ADF-A7209B5C1838}" type="datetimeFigureOut">
               <a:rPr lang="zh-CN" altLang="en-US" smtClean="0"/>
-              <a:t>2020/4/26</a:t>
+              <a:t>2020/5/1</a:t>
             </a:fld>
             <a:endParaRPr lang="zh-CN" altLang="en-US"/>
           </a:p>
@@ -3326,66 +3326,6 @@
           <a:chExt cx="0" cy="0"/>
         </a:xfrm>
       </p:grpSpPr>
-      <p:pic>
-        <p:nvPicPr>
-          <p:cNvPr id="55" name="图片 54">
-            <a:extLst>
-              <a:ext uri="{FF2B5EF4-FFF2-40B4-BE49-F238E27FC236}">
-                <a16:creationId xmlns:a16="http://schemas.microsoft.com/office/drawing/2014/main" id="{D34F4A93-7734-4B2E-9B47-76F16F3B6ABF}"/>
-              </a:ext>
-            </a:extLst>
-          </p:cNvPr>
-          <p:cNvPicPr>
-            <a:picLocks noChangeAspect="1"/>
-          </p:cNvPicPr>
-          <p:nvPr/>
-        </p:nvPicPr>
-        <p:blipFill>
-          <a:blip r:embed="rId2"/>
-          <a:stretch>
-            <a:fillRect/>
-          </a:stretch>
-        </p:blipFill>
-        <p:spPr>
-          <a:xfrm>
-            <a:off x="190769" y="242023"/>
-            <a:ext cx="2450577" cy="2808325"/>
-          </a:xfrm>
-          <a:prstGeom prst="rect">
-            <a:avLst/>
-          </a:prstGeom>
-        </p:spPr>
-      </p:pic>
-      <p:pic>
-        <p:nvPicPr>
-          <p:cNvPr id="21" name="图片 20">
-            <a:extLst>
-              <a:ext uri="{FF2B5EF4-FFF2-40B4-BE49-F238E27FC236}">
-                <a16:creationId xmlns:a16="http://schemas.microsoft.com/office/drawing/2014/main" id="{F447D050-AF75-4817-8004-42B9B6182618}"/>
-              </a:ext>
-            </a:extLst>
-          </p:cNvPr>
-          <p:cNvPicPr>
-            <a:picLocks noChangeAspect="1"/>
-          </p:cNvPicPr>
-          <p:nvPr/>
-        </p:nvPicPr>
-        <p:blipFill>
-          <a:blip r:embed="rId3"/>
-          <a:stretch>
-            <a:fillRect/>
-          </a:stretch>
-        </p:blipFill>
-        <p:spPr>
-          <a:xfrm>
-            <a:off x="583484" y="4129814"/>
-            <a:ext cx="1204540" cy="2184858"/>
-          </a:xfrm>
-          <a:prstGeom prst="rect">
-            <a:avLst/>
-          </a:prstGeom>
-        </p:spPr>
-      </p:pic>
       <p:grpSp>
         <p:nvGrpSpPr>
           <p:cNvPr id="23" name="组合 22">
@@ -3400,8 +3340,8 @@
         </p:nvGrpSpPr>
         <p:grpSpPr>
           <a:xfrm>
-            <a:off x="3276417" y="975009"/>
-            <a:ext cx="8096009" cy="5322848"/>
+            <a:off x="1002892" y="235019"/>
+            <a:ext cx="10794596" cy="6387962"/>
             <a:chOff x="3276417" y="975009"/>
             <a:chExt cx="8096009" cy="5322848"/>
           </a:xfrm>
@@ -4605,8 +4545,8 @@
                   </p:nvSpPr>
                   <p:spPr>
                     <a:xfrm>
-                      <a:off x="7130320" y="5325539"/>
-                      <a:ext cx="1300692" cy="382692"/>
+                      <a:off x="7130319" y="5325539"/>
+                      <a:ext cx="1794239" cy="382692"/>
                     </a:xfrm>
                     <a:prstGeom prst="rect">
                       <a:avLst/>
@@ -4647,7 +4587,7 @@
                             <a:schemeClr val="tx1"/>
                           </a:solidFill>
                         </a:rPr>
-                        <a:t>L298</a:t>
+                        <a:t>A4950</a:t>
                       </a:r>
                       <a:r>
                         <a:rPr lang="zh-CN" altLang="en-US" sz="1400" dirty="0">
@@ -4655,7 +4595,7 @@
                             <a:schemeClr val="tx1"/>
                           </a:solidFill>
                         </a:rPr>
-                        <a:t>模块</a:t>
+                        <a:t>电机驱动模块</a:t>
                       </a:r>
                     </a:p>
                   </p:txBody>
@@ -4723,7 +4663,7 @@
                   </p:nvCxnSpPr>
                   <p:spPr>
                     <a:xfrm rot="16200000" flipH="1">
-                      <a:off x="5139811" y="3526376"/>
+                      <a:off x="5139810" y="3526376"/>
                       <a:ext cx="2843638" cy="1137380"/>
                     </a:xfrm>
                     <a:prstGeom prst="bentConnector2">
